--- a/презентация.pptx
+++ b/презентация.pptx
@@ -113,6 +113,11 @@
       </a:defRPr>
     </a:lvl9pPr>
   </p:defaultTextStyle>
+  <p:extLst>
+    <p:ext uri="{EFAFB233-063F-42B5-8137-9DF3F51BA10A}">
+      <p15:sldGuideLst xmlns:p15="http://schemas.microsoft.com/office/powerpoint/2012/main"/>
+    </p:ext>
+  </p:extLst>
 </p:presentation>
 </file>
 
@@ -286,7 +291,7 @@
             <a:fld id="{87DE6118-2437-4B30-8E3C-4D2BE6020583}" type="datetimeFigureOut">
               <a:rPr lang="en-US" dirty="0"/>
               <a:pPr/>
-              <a:t>4/6/2021</a:t>
+              <a:t>4/7/2021</a:t>
             </a:fld>
             <a:endParaRPr lang="en-US" dirty="0"/>
           </a:p>
@@ -612,7 +617,7 @@
           <a:p>
             <a:fld id="{87DE6118-2437-4B30-8E3C-4D2BE6020583}" type="datetimeFigureOut">
               <a:rPr lang="en-US" dirty="0"/>
-              <a:t>4/6/2021</a:t>
+              <a:t>4/7/2021</a:t>
             </a:fld>
             <a:endParaRPr lang="en-US" dirty="0"/>
           </a:p>
@@ -787,7 +792,7 @@
           <a:p>
             <a:fld id="{87DE6118-2437-4B30-8E3C-4D2BE6020583}" type="datetimeFigureOut">
               <a:rPr lang="en-US" dirty="0"/>
-              <a:t>4/6/2021</a:t>
+              <a:t>4/7/2021</a:t>
             </a:fld>
             <a:endParaRPr lang="en-US" dirty="0"/>
           </a:p>
@@ -952,7 +957,7 @@
           <a:p>
             <a:fld id="{87DE6118-2437-4B30-8E3C-4D2BE6020583}" type="datetimeFigureOut">
               <a:rPr lang="en-US" dirty="0"/>
-              <a:t>4/6/2021</a:t>
+              <a:t>4/7/2021</a:t>
             </a:fld>
             <a:endParaRPr lang="en-US" dirty="0"/>
           </a:p>
@@ -1225,7 +1230,7 @@
             <a:fld id="{87DE6118-2437-4B30-8E3C-4D2BE6020583}" type="datetimeFigureOut">
               <a:rPr lang="en-US" dirty="0"/>
               <a:pPr/>
-              <a:t>4/6/2021</a:t>
+              <a:t>4/7/2021</a:t>
             </a:fld>
             <a:endParaRPr lang="en-US" dirty="0"/>
           </a:p>
@@ -1615,7 +1620,7 @@
           <a:p>
             <a:fld id="{87DE6118-2437-4B30-8E3C-4D2BE6020583}" type="datetimeFigureOut">
               <a:rPr lang="en-US" dirty="0"/>
-              <a:t>4/6/2021</a:t>
+              <a:t>4/7/2021</a:t>
             </a:fld>
             <a:endParaRPr lang="en-US" dirty="0"/>
           </a:p>
@@ -2087,7 +2092,7 @@
           <a:p>
             <a:fld id="{87DE6118-2437-4B30-8E3C-4D2BE6020583}" type="datetimeFigureOut">
               <a:rPr lang="en-US" dirty="0"/>
-              <a:t>4/6/2021</a:t>
+              <a:t>4/7/2021</a:t>
             </a:fld>
             <a:endParaRPr lang="en-US" dirty="0"/>
           </a:p>
@@ -2200,7 +2205,7 @@
           <a:p>
             <a:fld id="{87DE6118-2437-4B30-8E3C-4D2BE6020583}" type="datetimeFigureOut">
               <a:rPr lang="en-US" dirty="0"/>
-              <a:t>4/6/2021</a:t>
+              <a:t>4/7/2021</a:t>
             </a:fld>
             <a:endParaRPr lang="en-US" dirty="0"/>
           </a:p>
@@ -2290,7 +2295,7 @@
           <a:p>
             <a:fld id="{87DE6118-2437-4B30-8E3C-4D2BE6020583}" type="datetimeFigureOut">
               <a:rPr lang="en-US" dirty="0"/>
-              <a:t>4/6/2021</a:t>
+              <a:t>4/7/2021</a:t>
             </a:fld>
             <a:endParaRPr lang="en-US" dirty="0"/>
           </a:p>
@@ -2632,7 +2637,7 @@
             <a:fld id="{87DE6118-2437-4B30-8E3C-4D2BE6020583}" type="datetimeFigureOut">
               <a:rPr lang="en-US" dirty="0"/>
               <a:pPr/>
-              <a:t>4/6/2021</a:t>
+              <a:t>4/7/2021</a:t>
             </a:fld>
             <a:endParaRPr lang="en-US" dirty="0"/>
           </a:p>
@@ -3017,7 +3022,7 @@
             <a:fld id="{87DE6118-2437-4B30-8E3C-4D2BE6020583}" type="datetimeFigureOut">
               <a:rPr lang="en-US" dirty="0"/>
               <a:pPr/>
-              <a:t>4/6/2021</a:t>
+              <a:t>4/7/2021</a:t>
             </a:fld>
             <a:endParaRPr lang="en-US" dirty="0"/>
           </a:p>
@@ -3292,7 +3297,7 @@
             <a:fld id="{87DE6118-2437-4B30-8E3C-4D2BE6020583}" type="datetimeFigureOut">
               <a:rPr lang="en-US" dirty="0"/>
               <a:pPr/>
-              <a:t>4/6/2021</a:t>
+              <a:t>4/7/2021</a:t>
             </a:fld>
             <a:endParaRPr lang="en-US" dirty="0"/>
           </a:p>
@@ -3835,14 +3840,16 @@
         </p:nvSpPr>
         <p:spPr/>
         <p:txBody>
-          <a:bodyPr/>
+          <a:bodyPr>
+            <a:noAutofit/>
+          </a:bodyPr>
           <a:lstStyle/>
           <a:p>
             <a:r>
-              <a:rPr lang="ru-RU" dirty="0" smtClean="0"/>
+              <a:rPr lang="ru-RU" sz="4000" dirty="0" smtClean="0"/>
               <a:t>Шахматы с искусственным интеллектом</a:t>
             </a:r>
-            <a:endParaRPr lang="ru-RU" dirty="0"/>
+            <a:endParaRPr lang="ru-RU" sz="4000" dirty="0"/>
           </a:p>
         </p:txBody>
       </p:sp>
@@ -3918,17 +3925,19 @@
         </p:nvSpPr>
         <p:spPr/>
         <p:txBody>
-          <a:bodyPr/>
+          <a:bodyPr>
+            <a:normAutofit/>
+          </a:bodyPr>
           <a:lstStyle/>
           <a:p>
             <a:pPr marL="0" indent="0">
               <a:buNone/>
             </a:pPr>
             <a:r>
-              <a:rPr lang="ru-RU" dirty="0" smtClean="0"/>
+              <a:rPr lang="ru-RU" sz="3200" dirty="0" smtClean="0"/>
               <a:t>Вы можете задавать вопросы.</a:t>
             </a:r>
-            <a:endParaRPr lang="ru-RU" dirty="0"/>
+            <a:endParaRPr lang="ru-RU" sz="3200" dirty="0"/>
           </a:p>
         </p:txBody>
       </p:sp>
@@ -4004,14 +4013,16 @@
         </p:nvSpPr>
         <p:spPr/>
         <p:txBody>
-          <a:bodyPr/>
+          <a:bodyPr>
+            <a:normAutofit/>
+          </a:bodyPr>
           <a:lstStyle/>
           <a:p>
             <a:r>
-              <a:rPr lang="ru-RU" dirty="0" smtClean="0"/>
+              <a:rPr lang="ru-RU" sz="3200" dirty="0" smtClean="0"/>
               <a:t>Программа представляет собой игру шахматы против искусственного интеллекта. Перед началом игры пользователю предоставляют выбор цвета. После окончания партии показываются результаты.</a:t>
             </a:r>
-            <a:endParaRPr lang="ru-RU" dirty="0"/>
+            <a:endParaRPr lang="ru-RU" sz="3200" dirty="0"/>
           </a:p>
         </p:txBody>
       </p:sp>
@@ -4087,76 +4098,78 @@
         </p:nvSpPr>
         <p:spPr/>
         <p:txBody>
-          <a:bodyPr/>
+          <a:bodyPr>
+            <a:normAutofit/>
+          </a:bodyPr>
           <a:lstStyle/>
           <a:p>
             <a:r>
-              <a:rPr lang="ru-RU" dirty="0" smtClean="0"/>
+              <a:rPr lang="ru-RU" sz="3200" dirty="0" smtClean="0"/>
               <a:t>Класс </a:t>
             </a:r>
             <a:r>
-              <a:rPr lang="en-US" dirty="0" smtClean="0"/>
+              <a:rPr lang="en-US" sz="3200" dirty="0" smtClean="0"/>
               <a:t>Figure</a:t>
             </a:r>
             <a:r>
-              <a:rPr lang="ru-RU" dirty="0" smtClean="0"/>
+              <a:rPr lang="ru-RU" sz="3200" dirty="0" smtClean="0"/>
               <a:t> </a:t>
             </a:r>
-            <a:endParaRPr lang="en-US" dirty="0" smtClean="0"/>
-          </a:p>
-          <a:p>
-            <a:r>
-              <a:rPr lang="ru-RU" dirty="0" smtClean="0"/>
+            <a:endParaRPr lang="en-US" sz="3200" dirty="0" smtClean="0"/>
+          </a:p>
+          <a:p>
+            <a:r>
+              <a:rPr lang="ru-RU" sz="3200" dirty="0" smtClean="0"/>
               <a:t>Дочерние классы от </a:t>
             </a:r>
             <a:r>
-              <a:rPr lang="en-US" dirty="0" smtClean="0"/>
+              <a:rPr lang="en-US" sz="3200" dirty="0" smtClean="0"/>
               <a:t>Figure – Pawn, Rook, Knight, bishop, Queen, King</a:t>
             </a:r>
           </a:p>
           <a:p>
             <a:r>
-              <a:rPr lang="ru-RU" dirty="0" smtClean="0"/>
+              <a:rPr lang="ru-RU" sz="3200" dirty="0" smtClean="0"/>
               <a:t>Класс </a:t>
             </a:r>
             <a:r>
-              <a:rPr lang="en-US" dirty="0" smtClean="0"/>
+              <a:rPr lang="en-US" sz="3200" dirty="0" smtClean="0"/>
               <a:t>Board</a:t>
             </a:r>
           </a:p>
           <a:p>
             <a:r>
-              <a:rPr lang="ru-RU" dirty="0" smtClean="0"/>
+              <a:rPr lang="ru-RU" sz="3200" dirty="0" smtClean="0"/>
               <a:t>Классы </a:t>
             </a:r>
             <a:r>
-              <a:rPr lang="en-US" dirty="0" err="1" smtClean="0"/>
+              <a:rPr lang="en-US" sz="3200" dirty="0" err="1" smtClean="0"/>
               <a:t>MyWidget</a:t>
             </a:r>
             <a:r>
-              <a:rPr lang="en-US" dirty="0" smtClean="0"/>
+              <a:rPr lang="en-US" sz="3200" dirty="0" smtClean="0"/>
               <a:t> </a:t>
             </a:r>
             <a:r>
-              <a:rPr lang="ru-RU" dirty="0" smtClean="0"/>
+              <a:rPr lang="ru-RU" sz="3200" dirty="0" smtClean="0"/>
               <a:t>и </a:t>
             </a:r>
             <a:r>
-              <a:rPr lang="en-US" dirty="0" err="1" smtClean="0"/>
+              <a:rPr lang="en-US" sz="3200" dirty="0" err="1" smtClean="0"/>
               <a:t>EndWidget</a:t>
             </a:r>
-            <a:endParaRPr lang="en-US" dirty="0" smtClean="0"/>
-          </a:p>
-          <a:p>
-            <a:r>
-              <a:rPr lang="ru-RU" dirty="0" smtClean="0"/>
+            <a:endParaRPr lang="en-US" sz="3200" dirty="0" smtClean="0"/>
+          </a:p>
+          <a:p>
+            <a:r>
+              <a:rPr lang="ru-RU" sz="3200" dirty="0" smtClean="0"/>
               <a:t>Класс </a:t>
             </a:r>
             <a:r>
-              <a:rPr lang="en-US" dirty="0" err="1" smtClean="0"/>
+              <a:rPr lang="en-US" sz="3200" dirty="0" err="1" smtClean="0"/>
               <a:t>ArtificialIntellegence</a:t>
             </a:r>
-            <a:endParaRPr lang="ru-RU" dirty="0"/>
+            <a:endParaRPr lang="ru-RU" sz="3200" dirty="0"/>
           </a:p>
         </p:txBody>
       </p:sp>
@@ -4232,74 +4245,76 @@
         </p:nvSpPr>
         <p:spPr/>
         <p:txBody>
-          <a:bodyPr/>
+          <a:bodyPr>
+            <a:normAutofit/>
+          </a:bodyPr>
           <a:lstStyle/>
           <a:p>
             <a:r>
-              <a:rPr lang="en-US" dirty="0" err="1" smtClean="0"/>
+              <a:rPr lang="en-US" sz="3200" dirty="0" err="1" smtClean="0"/>
               <a:t>can_move</a:t>
             </a:r>
             <a:r>
-              <a:rPr lang="en-US" dirty="0" smtClean="0"/>
+              <a:rPr lang="en-US" sz="3200" dirty="0" smtClean="0"/>
               <a:t>, move, </a:t>
             </a:r>
             <a:r>
-              <a:rPr lang="en-US" dirty="0" err="1" smtClean="0"/>
+              <a:rPr lang="en-US" sz="3200" dirty="0" err="1" smtClean="0"/>
               <a:t>can_eat</a:t>
             </a:r>
             <a:r>
-              <a:rPr lang="en-US" dirty="0" smtClean="0"/>
+              <a:rPr lang="en-US" sz="3200" dirty="0" smtClean="0"/>
               <a:t> </a:t>
             </a:r>
             <a:r>
-              <a:rPr lang="ru-RU" dirty="0" smtClean="0"/>
+              <a:rPr lang="ru-RU" sz="3200" dirty="0" smtClean="0"/>
               <a:t>– взаимодействия фигур на доске</a:t>
             </a:r>
           </a:p>
           <a:p>
             <a:r>
-              <a:rPr lang="en-US" dirty="0" err="1" smtClean="0"/>
+              <a:rPr lang="en-US" sz="3200" dirty="0" err="1" smtClean="0"/>
               <a:t>ai_move</a:t>
             </a:r>
             <a:r>
-              <a:rPr lang="en-US" dirty="0" smtClean="0"/>
+              <a:rPr lang="en-US" sz="3200" dirty="0" smtClean="0"/>
               <a:t>, </a:t>
             </a:r>
             <a:r>
-              <a:rPr lang="en-US" dirty="0" err="1" smtClean="0"/>
+              <a:rPr lang="en-US" sz="3200" dirty="0" err="1" smtClean="0"/>
               <a:t>find_and_make_move</a:t>
             </a:r>
             <a:r>
-              <a:rPr lang="en-US" dirty="0" smtClean="0"/>
+              <a:rPr lang="en-US" sz="3200" dirty="0" smtClean="0"/>
               <a:t> – </a:t>
             </a:r>
             <a:r>
-              <a:rPr lang="ru-RU" dirty="0" smtClean="0"/>
+              <a:rPr lang="ru-RU" sz="3200" dirty="0" smtClean="0"/>
               <a:t>отвечают за ИИ</a:t>
             </a:r>
           </a:p>
           <a:p>
             <a:r>
-              <a:rPr lang="en-US" dirty="0" smtClean="0"/>
+              <a:rPr lang="en-US" sz="3200" dirty="0" smtClean="0"/>
               <a:t>render, </a:t>
             </a:r>
             <a:r>
-              <a:rPr lang="en-US" dirty="0" err="1" smtClean="0"/>
+              <a:rPr lang="en-US" sz="3200" dirty="0" err="1" smtClean="0"/>
               <a:t>on_click</a:t>
             </a:r>
             <a:r>
-              <a:rPr lang="en-US" dirty="0" smtClean="0"/>
+              <a:rPr lang="en-US" sz="3200" dirty="0" smtClean="0"/>
               <a:t> -  </a:t>
             </a:r>
             <a:r>
-              <a:rPr lang="ru-RU" dirty="0" err="1" smtClean="0"/>
+              <a:rPr lang="ru-RU" sz="3200" dirty="0" err="1" smtClean="0"/>
               <a:t>отрисовка</a:t>
             </a:r>
             <a:r>
-              <a:rPr lang="ru-RU" dirty="0" smtClean="0"/>
+              <a:rPr lang="ru-RU" sz="3200" dirty="0" smtClean="0"/>
               <a:t> и взаимодействие с пользователем</a:t>
             </a:r>
-            <a:endParaRPr lang="ru-RU" dirty="0"/>
+            <a:endParaRPr lang="ru-RU" sz="3200" dirty="0"/>
           </a:p>
         </p:txBody>
       </p:sp>
@@ -4375,41 +4390,43 @@
         </p:nvSpPr>
         <p:spPr/>
         <p:txBody>
-          <a:bodyPr/>
+          <a:bodyPr>
+            <a:normAutofit/>
+          </a:bodyPr>
           <a:lstStyle/>
           <a:p>
             <a:r>
-              <a:rPr lang="en-US" dirty="0" err="1" smtClean="0"/>
+              <a:rPr lang="en-US" sz="3200" dirty="0" err="1" smtClean="0"/>
               <a:t>Start_screen</a:t>
             </a:r>
             <a:r>
-              <a:rPr lang="en-US" dirty="0" smtClean="0"/>
+              <a:rPr lang="en-US" sz="3200" dirty="0" smtClean="0"/>
               <a:t> – </a:t>
             </a:r>
             <a:r>
-              <a:rPr lang="ru-RU" dirty="0" smtClean="0"/>
+              <a:rPr lang="ru-RU" sz="3200" dirty="0" smtClean="0"/>
               <a:t>начальный </a:t>
             </a:r>
             <a:r>
-              <a:rPr lang="ru-RU" dirty="0" err="1" smtClean="0"/>
+              <a:rPr lang="ru-RU" sz="3200" dirty="0" err="1" smtClean="0"/>
               <a:t>виджет</a:t>
             </a:r>
-            <a:endParaRPr lang="ru-RU" dirty="0" smtClean="0"/>
-          </a:p>
-          <a:p>
-            <a:r>
-              <a:rPr lang="en-US" dirty="0" err="1" smtClean="0"/>
+            <a:endParaRPr lang="ru-RU" sz="3200" dirty="0" smtClean="0"/>
+          </a:p>
+          <a:p>
+            <a:r>
+              <a:rPr lang="en-US" sz="3200" dirty="0" err="1" smtClean="0"/>
               <a:t>Evaluate_board</a:t>
             </a:r>
             <a:r>
-              <a:rPr lang="en-US" dirty="0" smtClean="0"/>
+              <a:rPr lang="en-US" sz="3200" dirty="0" smtClean="0"/>
               <a:t> – </a:t>
             </a:r>
             <a:r>
-              <a:rPr lang="ru-RU" dirty="0" smtClean="0"/>
+              <a:rPr lang="ru-RU" sz="3200" dirty="0" smtClean="0"/>
               <a:t>оценка позиции</a:t>
             </a:r>
-            <a:endParaRPr lang="ru-RU" dirty="0"/>
+            <a:endParaRPr lang="ru-RU" sz="3200" dirty="0"/>
           </a:p>
         </p:txBody>
       </p:sp>
@@ -4485,40 +4502,42 @@
         </p:nvSpPr>
         <p:spPr/>
         <p:txBody>
-          <a:bodyPr/>
+          <a:bodyPr>
+            <a:normAutofit/>
+          </a:bodyPr>
           <a:lstStyle/>
           <a:p>
             <a:r>
-              <a:rPr lang="en-US" dirty="0" err="1" smtClean="0"/>
+              <a:rPr lang="en-US" sz="3200" dirty="0" err="1" smtClean="0"/>
               <a:t>Pygame</a:t>
             </a:r>
-            <a:endParaRPr lang="en-US" dirty="0" smtClean="0"/>
-          </a:p>
-          <a:p>
-            <a:r>
-              <a:rPr lang="en-US" dirty="0" err="1" smtClean="0"/>
+            <a:endParaRPr lang="en-US" sz="3200" dirty="0" smtClean="0"/>
+          </a:p>
+          <a:p>
+            <a:r>
+              <a:rPr lang="en-US" sz="3200" dirty="0" err="1" smtClean="0"/>
               <a:t>Os</a:t>
             </a:r>
-            <a:endParaRPr lang="en-US" dirty="0" smtClean="0"/>
-          </a:p>
-          <a:p>
-            <a:r>
-              <a:rPr lang="en-US" dirty="0" smtClean="0"/>
+            <a:endParaRPr lang="en-US" sz="3200" dirty="0" smtClean="0"/>
+          </a:p>
+          <a:p>
+            <a:r>
+              <a:rPr lang="en-US" sz="3200" dirty="0" smtClean="0"/>
               <a:t>Sys</a:t>
             </a:r>
           </a:p>
           <a:p>
             <a:r>
-              <a:rPr lang="en-US" dirty="0" smtClean="0"/>
+              <a:rPr lang="en-US" sz="3200" dirty="0" smtClean="0"/>
               <a:t>Time</a:t>
             </a:r>
           </a:p>
           <a:p>
             <a:r>
-              <a:rPr lang="en-US" dirty="0" smtClean="0"/>
+              <a:rPr lang="en-US" sz="3200" dirty="0" smtClean="0"/>
               <a:t>pyqt5</a:t>
             </a:r>
-            <a:endParaRPr lang="ru-RU" dirty="0"/>
+            <a:endParaRPr lang="ru-RU" sz="3200" dirty="0"/>
           </a:p>
         </p:txBody>
       </p:sp>
@@ -4594,14 +4613,16 @@
         </p:nvSpPr>
         <p:spPr/>
         <p:txBody>
-          <a:bodyPr/>
+          <a:bodyPr>
+            <a:normAutofit/>
+          </a:bodyPr>
           <a:lstStyle/>
           <a:p>
             <a:r>
-              <a:rPr lang="ru-RU" dirty="0" smtClean="0"/>
+              <a:rPr lang="ru-RU" sz="3200" dirty="0" smtClean="0"/>
               <a:t>ИИ работает при помощи перебора всех возможных позиций на доске и выбором наилучшего. Это рекурсивная функция с глубиной 3 хода. Так же я применил алгоритм альфа-бета отсечения для более быстрой работы.</a:t>
             </a:r>
-            <a:endParaRPr lang="ru-RU" dirty="0"/>
+            <a:endParaRPr lang="ru-RU" sz="3200" dirty="0"/>
           </a:p>
         </p:txBody>
       </p:sp>
@@ -4677,22 +4698,24 @@
         </p:nvSpPr>
         <p:spPr/>
         <p:txBody>
-          <a:bodyPr/>
+          <a:bodyPr>
+            <a:normAutofit/>
+          </a:bodyPr>
           <a:lstStyle/>
           <a:p>
             <a:r>
-              <a:rPr lang="ru-RU" dirty="0" smtClean="0"/>
+              <a:rPr lang="ru-RU" sz="3200" dirty="0" smtClean="0"/>
               <a:t>Сначала я создал игровую доску, потом написал классы фигур и правила для их взаимодействий. Позже я создавал ИИ. Основные проблемы при написании – рекурсивные ошибки, ходы фигур не по правилам, создание хорошо работающего ИИ. Обработка ошибок происходит при помощи </a:t>
             </a:r>
             <a:r>
-              <a:rPr lang="en-US" dirty="0" smtClean="0"/>
+              <a:rPr lang="en-US" sz="3200" dirty="0" smtClean="0"/>
               <a:t>try </a:t>
             </a:r>
             <a:r>
-              <a:rPr lang="ru-RU" dirty="0" smtClean="0"/>
+              <a:rPr lang="ru-RU" sz="3200" dirty="0" smtClean="0"/>
               <a:t>конструкции.</a:t>
             </a:r>
-            <a:endParaRPr lang="ru-RU" dirty="0"/>
+            <a:endParaRPr lang="ru-RU" sz="3200" dirty="0"/>
           </a:p>
         </p:txBody>
       </p:sp>
